--- a/Assignment Documents/Final Video/UR10e Robot Cocktailer Maker.pptx
+++ b/Assignment Documents/Final Video/UR10e Robot Cocktailer Maker.pptx
@@ -12,9 +12,8 @@
     <p:sldId id="265" r:id="rId9"/>
     <p:sldId id="261" r:id="rId10"/>
     <p:sldId id="260" r:id="rId11"/>
-    <p:sldId id="264" r:id="rId12"/>
-    <p:sldId id="262" r:id="rId13"/>
-    <p:sldId id="263" r:id="rId14"/>
+    <p:sldId id="262" r:id="rId12"/>
+    <p:sldId id="263" r:id="rId13"/>
   </p:sldIdLst>
   <p:sldSz cx="12192000" cy="6858000"/>
   <p:notesSz cx="6858000" cy="9144000"/>
@@ -5156,7 +5155,7 @@
           <p:nvPr/>
         </p:nvPicPr>
         <p:blipFill rotWithShape="1">
-          <a:blip r:embed="rId2">
+          <a:blip r:embed="rId3">
             <a:extLst>
               <a:ext uri="{28A0092B-C50C-407E-A947-70E740481C1C}">
                 <a14:useLocalDpi xmlns:a14="http://schemas.microsoft.com/office/drawing/2010/main" val="0"/>
@@ -5283,7 +5282,7 @@
             <a:avLst/>
           </a:prstGeom>
           <a:blipFill dpi="0" rotWithShape="1">
-            <a:blip r:embed="rId3">
+            <a:blip r:embed="rId4">
               <a:alphaModFix amt="30000"/>
               <a:duotone>
                 <a:prstClr val="black"/>
@@ -5295,7 +5294,7 @@
               <a:extLst>
                 <a:ext uri="{BEBA8EAE-BF5A-486C-A8C5-ECC9F3942E4B}">
                   <a14:imgProps xmlns:a14="http://schemas.microsoft.com/office/drawing/2010/main">
-                    <a14:imgLayer r:embed="rId4">
+                    <a14:imgLayer r:embed="rId5">
                       <a14:imgEffect>
                         <a14:sharpenSoften amount="61000"/>
                       </a14:imgEffect>
@@ -5441,6 +5440,9 @@
         </p:txBody>
       </p:sp>
     </p:spTree>
+    <p:custDataLst>
+      <p:tags r:id="rId1"/>
+    </p:custDataLst>
     <p:extLst>
       <p:ext uri="{BB962C8B-B14F-4D97-AF65-F5344CB8AC3E}">
         <p14:creationId xmlns:p14="http://schemas.microsoft.com/office/powerpoint/2010/main" val="3218566025"/>
@@ -5450,6 +5452,14 @@
   <p:clrMapOvr>
     <a:masterClrMapping/>
   </p:clrMapOvr>
+  <mc:AlternateContent xmlns:mc="http://schemas.openxmlformats.org/markup-compatibility/2006">
+    <mc:Choice xmlns:p14="http://schemas.microsoft.com/office/powerpoint/2010/main" Requires="p14">
+      <p:transition spd="slow" p14:dur="2000" advTm="10047"/>
+    </mc:Choice>
+    <mc:Fallback>
+      <p:transition spd="slow" advTm="10047"/>
+    </mc:Fallback>
+  </mc:AlternateContent>
   <p:timing>
     <p:tnLst>
       <p:par>
@@ -5720,104 +5730,6 @@
 </p:sld>
 </file>
 
-<file path=ppt/slides/slide10.xml><?xml version="1.0" encoding="utf-8"?>
-<p:sld xmlns:a="http://schemas.openxmlformats.org/drawingml/2006/main" xmlns:r="http://schemas.openxmlformats.org/officeDocument/2006/relationships" xmlns:p="http://schemas.openxmlformats.org/presentationml/2006/main">
-  <p:cSld>
-    <p:spTree>
-      <p:nvGrpSpPr>
-        <p:cNvPr id="1" name=""/>
-        <p:cNvGrpSpPr/>
-        <p:nvPr/>
-      </p:nvGrpSpPr>
-      <p:grpSpPr>
-        <a:xfrm>
-          <a:off x="0" y="0"/>
-          <a:ext cx="0" cy="0"/>
-          <a:chOff x="0" y="0"/>
-          <a:chExt cx="0" cy="0"/>
-        </a:xfrm>
-      </p:grpSpPr>
-      <p:sp>
-        <p:nvSpPr>
-          <p:cNvPr id="2" name="Title 1">
-            <a:extLst>
-              <a:ext uri="{FF2B5EF4-FFF2-40B4-BE49-F238E27FC236}">
-                <a16:creationId xmlns:a16="http://schemas.microsoft.com/office/drawing/2014/main" id="{748AC4A4-C72C-77CF-6985-F57AF55EDAF8}"/>
-              </a:ext>
-            </a:extLst>
-          </p:cNvPr>
-          <p:cNvSpPr>
-            <a:spLocks noGrp="1"/>
-          </p:cNvSpPr>
-          <p:nvPr>
-            <p:ph type="title"/>
-          </p:nvPr>
-        </p:nvSpPr>
-        <p:spPr/>
-        <p:txBody>
-          <a:bodyPr/>
-          <a:lstStyle/>
-          <a:p>
-            <a:r>
-              <a:rPr lang="en-AU" dirty="0"/>
-              <a:t>Future Predictions For Robotics </a:t>
-            </a:r>
-          </a:p>
-        </p:txBody>
-      </p:sp>
-      <p:sp>
-        <p:nvSpPr>
-          <p:cNvPr id="3" name="Content Placeholder 2">
-            <a:extLst>
-              <a:ext uri="{FF2B5EF4-FFF2-40B4-BE49-F238E27FC236}">
-                <a16:creationId xmlns:a16="http://schemas.microsoft.com/office/drawing/2014/main" id="{67EB516D-1B42-C41A-38B3-F0DCF5FA88E6}"/>
-              </a:ext>
-            </a:extLst>
-          </p:cNvPr>
-          <p:cNvSpPr>
-            <a:spLocks noGrp="1"/>
-          </p:cNvSpPr>
-          <p:nvPr>
-            <p:ph idx="1"/>
-          </p:nvPr>
-        </p:nvSpPr>
-        <p:spPr/>
-        <p:txBody>
-          <a:bodyPr/>
-          <a:lstStyle/>
-          <a:p>
-            <a:r>
-              <a:rPr lang="en-GB" b="0" i="0" dirty="0">
-                <a:effectLst/>
-                <a:latin typeface="Arial" panose="020B0604020202020204" pitchFamily="34" charset="0"/>
-              </a:rPr>
-              <a:t>Evidence-based future predictions for robotics in the given scenario </a:t>
-            </a:r>
-          </a:p>
-          <a:p>
-            <a:r>
-              <a:rPr lang="en-GB" dirty="0">
-                <a:latin typeface="Arial" panose="020B0604020202020204" pitchFamily="34" charset="0"/>
-              </a:rPr>
-              <a:t>There are similar current implementations that don’t utilise a complex gripper and thus are reliant on standardised bottles. </a:t>
-            </a:r>
-            <a:endParaRPr lang="en-AU" dirty="0"/>
-          </a:p>
-        </p:txBody>
-      </p:sp>
-    </p:spTree>
-    <p:extLst>
-      <p:ext uri="{BB962C8B-B14F-4D97-AF65-F5344CB8AC3E}">
-        <p14:creationId xmlns:p14="http://schemas.microsoft.com/office/powerpoint/2010/main" val="299996852"/>
-      </p:ext>
-    </p:extLst>
-  </p:cSld>
-  <p:clrMapOvr>
-    <a:masterClrMapping/>
-  </p:clrMapOvr>
-</p:sld>
-</file>
-
 <file path=ppt/slides/slide2.xml><?xml version="1.0" encoding="utf-8"?>
 <p:sld xmlns:a="http://schemas.openxmlformats.org/drawingml/2006/main" xmlns:r="http://schemas.openxmlformats.org/officeDocument/2006/relationships" xmlns:p="http://schemas.openxmlformats.org/presentationml/2006/main">
   <p:cSld>
@@ -6162,6 +6074,14 @@
   <p:clrMapOvr>
     <a:masterClrMapping/>
   </p:clrMapOvr>
+  <mc:AlternateContent xmlns:mc="http://schemas.openxmlformats.org/markup-compatibility/2006">
+    <mc:Choice xmlns:p14="http://schemas.microsoft.com/office/powerpoint/2010/main" Requires="p14">
+      <p:transition spd="slow" p14:dur="2000" advTm="6866"/>
+    </mc:Choice>
+    <mc:Fallback>
+      <p:transition spd="slow" advTm="6866"/>
+    </mc:Fallback>
+  </mc:AlternateContent>
 </p:sld>
 </file>
 
@@ -6198,7 +6118,12 @@
             <p:ph type="title"/>
           </p:nvPr>
         </p:nvSpPr>
-        <p:spPr/>
+        <p:spPr>
+          <a:xfrm>
+            <a:off x="1069848" y="484632"/>
+            <a:ext cx="10058400" cy="5916168"/>
+          </a:xfrm>
+        </p:spPr>
         <p:txBody>
           <a:bodyPr/>
           <a:lstStyle/>
@@ -6207,31 +6132,6 @@
               <a:rPr lang="en-AU" dirty="0"/>
               <a:t>Look no Further than the amazing robot cocktail maker </a:t>
             </a:r>
-          </a:p>
-        </p:txBody>
-      </p:sp>
-      <p:sp>
-        <p:nvSpPr>
-          <p:cNvPr id="3" name="Content Placeholder 2">
-            <a:extLst>
-              <a:ext uri="{FF2B5EF4-FFF2-40B4-BE49-F238E27FC236}">
-                <a16:creationId xmlns:a16="http://schemas.microsoft.com/office/drawing/2014/main" id="{230174FD-ADE7-4C28-5FEE-3A5D4AEE14D5}"/>
-              </a:ext>
-            </a:extLst>
-          </p:cNvPr>
-          <p:cNvSpPr>
-            <a:spLocks noGrp="1"/>
-          </p:cNvSpPr>
-          <p:nvPr>
-            <p:ph idx="1"/>
-          </p:nvPr>
-        </p:nvSpPr>
-        <p:spPr/>
-        <p:txBody>
-          <a:bodyPr/>
-          <a:lstStyle/>
-          <a:p>
-            <a:endParaRPr lang="en-AU" dirty="0"/>
           </a:p>
         </p:txBody>
       </p:sp>
@@ -6245,6 +6145,14 @@
   <p:clrMapOvr>
     <a:masterClrMapping/>
   </p:clrMapOvr>
+  <mc:AlternateContent xmlns:mc="http://schemas.openxmlformats.org/markup-compatibility/2006">
+    <mc:Choice xmlns:p14="http://schemas.microsoft.com/office/powerpoint/2010/main" Requires="p14">
+      <p:transition spd="slow" p14:dur="2000" advTm="3993"/>
+    </mc:Choice>
+    <mc:Fallback>
+      <p:transition spd="slow" advTm="3993"/>
+    </mc:Fallback>
+  </mc:AlternateContent>
 </p:sld>
 </file>
 
@@ -6281,13 +6189,20 @@
             <p:ph type="title"/>
           </p:nvPr>
         </p:nvSpPr>
-        <p:spPr/>
-        <p:txBody>
-          <a:bodyPr/>
+        <p:spPr>
+          <a:xfrm>
+            <a:off x="1612589" y="2121408"/>
+            <a:ext cx="10058400" cy="1609344"/>
+          </a:xfrm>
+        </p:spPr>
+        <p:txBody>
+          <a:bodyPr>
+            <a:normAutofit/>
+          </a:bodyPr>
           <a:lstStyle/>
           <a:p>
             <a:r>
-              <a:rPr lang="en-AU" dirty="0"/>
+              <a:rPr lang="en-AU" sz="6600" dirty="0"/>
               <a:t>Robot Modelling </a:t>
             </a:r>
           </a:p>
@@ -6328,6 +6243,14 @@
   <p:clrMapOvr>
     <a:masterClrMapping/>
   </p:clrMapOvr>
+  <mc:AlternateContent xmlns:mc="http://schemas.openxmlformats.org/markup-compatibility/2006">
+    <mc:Choice xmlns:p14="http://schemas.microsoft.com/office/powerpoint/2010/main" Requires="p14">
+      <p:transition spd="slow" p14:dur="2000" advTm="2435"/>
+    </mc:Choice>
+    <mc:Fallback>
+      <p:transition spd="slow" advTm="2435"/>
+    </mc:Fallback>
+  </mc:AlternateContent>
 </p:sld>
 </file>
 
@@ -6931,6 +6854,14 @@
   <p:clrMapOvr>
     <a:masterClrMapping/>
   </p:clrMapOvr>
+  <mc:AlternateContent xmlns:mc="http://schemas.openxmlformats.org/markup-compatibility/2006">
+    <mc:Choice xmlns:p14="http://schemas.microsoft.com/office/powerpoint/2010/main" Requires="p14">
+      <p:transition spd="slow" p14:dur="2000" advTm="9131"/>
+    </mc:Choice>
+    <mc:Fallback>
+      <p:transition spd="slow" advTm="9131"/>
+    </mc:Fallback>
+  </mc:AlternateContent>
   <p:timing>
     <p:tnLst>
       <p:par>
@@ -7059,48 +6990,22 @@
             <p:ph type="title"/>
           </p:nvPr>
         </p:nvSpPr>
-        <p:spPr/>
-        <p:txBody>
-          <a:bodyPr/>
+        <p:spPr>
+          <a:xfrm>
+            <a:off x="1854463" y="2154149"/>
+            <a:ext cx="10058400" cy="1609344"/>
+          </a:xfrm>
+        </p:spPr>
+        <p:txBody>
+          <a:bodyPr>
+            <a:normAutofit/>
+          </a:bodyPr>
           <a:lstStyle/>
           <a:p>
             <a:r>
-              <a:rPr lang="en-AU" dirty="0"/>
+              <a:rPr lang="en-AU" sz="6600" dirty="0"/>
               <a:t>GUI in Operation</a:t>
             </a:r>
-          </a:p>
-        </p:txBody>
-      </p:sp>
-      <p:sp>
-        <p:nvSpPr>
-          <p:cNvPr id="3" name="Content Placeholder 2">
-            <a:extLst>
-              <a:ext uri="{FF2B5EF4-FFF2-40B4-BE49-F238E27FC236}">
-                <a16:creationId xmlns:a16="http://schemas.microsoft.com/office/drawing/2014/main" id="{C3F54C84-A82B-8319-FDEE-7E89BA1C568F}"/>
-              </a:ext>
-            </a:extLst>
-          </p:cNvPr>
-          <p:cNvSpPr>
-            <a:spLocks noGrp="1"/>
-          </p:cNvSpPr>
-          <p:nvPr>
-            <p:ph idx="1"/>
-          </p:nvPr>
-        </p:nvSpPr>
-        <p:spPr/>
-        <p:txBody>
-          <a:bodyPr/>
-          <a:lstStyle/>
-          <a:p>
-            <a:r>
-              <a:rPr lang="en-AU" dirty="0"/>
-              <a:t>Add video with </a:t>
-            </a:r>
-            <a:r>
-              <a:rPr lang="en-AU" dirty="0" err="1"/>
-              <a:t>gui</a:t>
-            </a:r>
-            <a:endParaRPr lang="en-AU" dirty="0"/>
           </a:p>
         </p:txBody>
       </p:sp>
@@ -7114,6 +7019,14 @@
   <p:clrMapOvr>
     <a:masterClrMapping/>
   </p:clrMapOvr>
+  <mc:AlternateContent xmlns:mc="http://schemas.openxmlformats.org/markup-compatibility/2006">
+    <mc:Choice xmlns:p14="http://schemas.microsoft.com/office/powerpoint/2010/main" Requires="p14">
+      <p:transition spd="slow" p14:dur="2000" advTm="3356"/>
+    </mc:Choice>
+    <mc:Fallback>
+      <p:transition spd="slow" advTm="3356"/>
+    </mc:Fallback>
+  </mc:AlternateContent>
 </p:sld>
 </file>
 
@@ -7234,6 +7147,12 @@
             <a:r>
               <a:rPr lang="en-AU" sz="1800" dirty="0"/>
               <a:t>Bar designed to exceed working radius of arm</a:t>
+            </a:r>
+          </a:p>
+          <a:p>
+            <a:r>
+              <a:rPr lang="en-AU" sz="1800" dirty="0"/>
+              <a:t>Object Avoidance Implemented</a:t>
             </a:r>
           </a:p>
           <a:p>
@@ -7478,90 +7397,18 @@
   <p:clrMapOvr>
     <a:masterClrMapping/>
   </p:clrMapOvr>
+  <mc:AlternateContent xmlns:mc="http://schemas.openxmlformats.org/markup-compatibility/2006">
+    <mc:Choice xmlns:p14="http://schemas.microsoft.com/office/powerpoint/2010/main" Requires="p14">
+      <p:transition spd="slow" p14:dur="2000" advTm="8035"/>
+    </mc:Choice>
+    <mc:Fallback>
+      <p:transition spd="slow" advTm="8035"/>
+    </mc:Fallback>
+  </mc:AlternateContent>
 </p:sld>
 </file>
 
 <file path=ppt/slides/slide8.xml><?xml version="1.0" encoding="utf-8"?>
-<p:sld xmlns:a="http://schemas.openxmlformats.org/drawingml/2006/main" xmlns:r="http://schemas.openxmlformats.org/officeDocument/2006/relationships" xmlns:p="http://schemas.openxmlformats.org/presentationml/2006/main">
-  <p:cSld>
-    <p:spTree>
-      <p:nvGrpSpPr>
-        <p:cNvPr id="1" name=""/>
-        <p:cNvGrpSpPr/>
-        <p:nvPr/>
-      </p:nvGrpSpPr>
-      <p:grpSpPr>
-        <a:xfrm>
-          <a:off x="0" y="0"/>
-          <a:ext cx="0" cy="0"/>
-          <a:chOff x="0" y="0"/>
-          <a:chExt cx="0" cy="0"/>
-        </a:xfrm>
-      </p:grpSpPr>
-      <p:sp>
-        <p:nvSpPr>
-          <p:cNvPr id="2" name="Title 1">
-            <a:extLst>
-              <a:ext uri="{FF2B5EF4-FFF2-40B4-BE49-F238E27FC236}">
-                <a16:creationId xmlns:a16="http://schemas.microsoft.com/office/drawing/2014/main" id="{7FC6136A-3046-6C83-F3BA-BB49728F0EB5}"/>
-              </a:ext>
-            </a:extLst>
-          </p:cNvPr>
-          <p:cNvSpPr>
-            <a:spLocks noGrp="1"/>
-          </p:cNvSpPr>
-          <p:nvPr>
-            <p:ph type="title"/>
-          </p:nvPr>
-        </p:nvSpPr>
-        <p:spPr/>
-        <p:txBody>
-          <a:bodyPr/>
-          <a:lstStyle/>
-          <a:p>
-            <a:endParaRPr lang="en-AU" dirty="0"/>
-          </a:p>
-        </p:txBody>
-      </p:sp>
-      <p:sp>
-        <p:nvSpPr>
-          <p:cNvPr id="3" name="Content Placeholder 2">
-            <a:extLst>
-              <a:ext uri="{FF2B5EF4-FFF2-40B4-BE49-F238E27FC236}">
-                <a16:creationId xmlns:a16="http://schemas.microsoft.com/office/drawing/2014/main" id="{ABD2D8CA-0A95-3209-226A-116384D071F6}"/>
-              </a:ext>
-            </a:extLst>
-          </p:cNvPr>
-          <p:cNvSpPr>
-            <a:spLocks noGrp="1"/>
-          </p:cNvSpPr>
-          <p:nvPr>
-            <p:ph idx="1"/>
-          </p:nvPr>
-        </p:nvSpPr>
-        <p:spPr/>
-        <p:txBody>
-          <a:bodyPr/>
-          <a:lstStyle/>
-          <a:p>
-            <a:endParaRPr lang="en-AU" dirty="0"/>
-          </a:p>
-        </p:txBody>
-      </p:sp>
-    </p:spTree>
-    <p:extLst>
-      <p:ext uri="{BB962C8B-B14F-4D97-AF65-F5344CB8AC3E}">
-        <p14:creationId xmlns:p14="http://schemas.microsoft.com/office/powerpoint/2010/main" val="2153902710"/>
-      </p:ext>
-    </p:extLst>
-  </p:cSld>
-  <p:clrMapOvr>
-    <a:masterClrMapping/>
-  </p:clrMapOvr>
-</p:sld>
-</file>
-
-<file path=ppt/slides/slide9.xml><?xml version="1.0" encoding="utf-8"?>
 <p:sld xmlns:a="http://schemas.openxmlformats.org/drawingml/2006/main" xmlns:r="http://schemas.openxmlformats.org/officeDocument/2006/relationships" xmlns:p="http://schemas.openxmlformats.org/presentationml/2006/main">
   <p:cSld>
     <p:bg>
@@ -8031,7 +7878,135 @@
   <p:clrMapOvr>
     <a:masterClrMapping/>
   </p:clrMapOvr>
+  <mc:AlternateContent xmlns:mc="http://schemas.openxmlformats.org/markup-compatibility/2006">
+    <mc:Choice xmlns:p14="http://schemas.microsoft.com/office/powerpoint/2010/main" Requires="p14">
+      <p:transition spd="slow" p14:dur="2000" advTm="9512"/>
+    </mc:Choice>
+    <mc:Fallback>
+      <p:transition spd="slow" advTm="9512"/>
+    </mc:Fallback>
+  </mc:AlternateContent>
 </p:sld>
+</file>
+
+<file path=ppt/slides/slide9.xml><?xml version="1.0" encoding="utf-8"?>
+<p:sld xmlns:a="http://schemas.openxmlformats.org/drawingml/2006/main" xmlns:r="http://schemas.openxmlformats.org/officeDocument/2006/relationships" xmlns:p="http://schemas.openxmlformats.org/presentationml/2006/main">
+  <p:cSld>
+    <p:spTree>
+      <p:nvGrpSpPr>
+        <p:cNvPr id="1" name=""/>
+        <p:cNvGrpSpPr/>
+        <p:nvPr/>
+      </p:nvGrpSpPr>
+      <p:grpSpPr>
+        <a:xfrm>
+          <a:off x="0" y="0"/>
+          <a:ext cx="0" cy="0"/>
+          <a:chOff x="0" y="0"/>
+          <a:chExt cx="0" cy="0"/>
+        </a:xfrm>
+      </p:grpSpPr>
+      <p:sp>
+        <p:nvSpPr>
+          <p:cNvPr id="2" name="Title 1">
+            <a:extLst>
+              <a:ext uri="{FF2B5EF4-FFF2-40B4-BE49-F238E27FC236}">
+                <a16:creationId xmlns:a16="http://schemas.microsoft.com/office/drawing/2014/main" id="{748AC4A4-C72C-77CF-6985-F57AF55EDAF8}"/>
+              </a:ext>
+            </a:extLst>
+          </p:cNvPr>
+          <p:cNvSpPr>
+            <a:spLocks noGrp="1"/>
+          </p:cNvSpPr>
+          <p:nvPr>
+            <p:ph type="title"/>
+          </p:nvPr>
+        </p:nvSpPr>
+        <p:spPr/>
+        <p:txBody>
+          <a:bodyPr/>
+          <a:lstStyle/>
+          <a:p>
+            <a:r>
+              <a:rPr lang="en-AU" dirty="0"/>
+              <a:t>Future Predictions For Robotics </a:t>
+            </a:r>
+          </a:p>
+        </p:txBody>
+      </p:sp>
+      <p:sp>
+        <p:nvSpPr>
+          <p:cNvPr id="3" name="Content Placeholder 2">
+            <a:extLst>
+              <a:ext uri="{FF2B5EF4-FFF2-40B4-BE49-F238E27FC236}">
+                <a16:creationId xmlns:a16="http://schemas.microsoft.com/office/drawing/2014/main" id="{67EB516D-1B42-C41A-38B3-F0DCF5FA88E6}"/>
+              </a:ext>
+            </a:extLst>
+          </p:cNvPr>
+          <p:cNvSpPr>
+            <a:spLocks noGrp="1"/>
+          </p:cNvSpPr>
+          <p:nvPr>
+            <p:ph idx="1"/>
+          </p:nvPr>
+        </p:nvSpPr>
+        <p:spPr/>
+        <p:txBody>
+          <a:bodyPr/>
+          <a:lstStyle/>
+          <a:p>
+            <a:r>
+              <a:rPr lang="en-GB" b="0" i="0" dirty="0">
+                <a:effectLst/>
+                <a:latin typeface="Arial" panose="020B0604020202020204" pitchFamily="34" charset="0"/>
+              </a:rPr>
+              <a:t>Evidence-based future predictions for robotics in the given scenario </a:t>
+            </a:r>
+          </a:p>
+          <a:p>
+            <a:r>
+              <a:rPr lang="en-GB" dirty="0">
+                <a:latin typeface="Arial" panose="020B0604020202020204" pitchFamily="34" charset="0"/>
+              </a:rPr>
+              <a:t>There are similar current implementations that don’t utilise a complex gripper and thus are reliant on standardised bottles and huge setups, our design can be installed in a current bar and run from day 1</a:t>
+            </a:r>
+          </a:p>
+          <a:p>
+            <a:r>
+              <a:rPr lang="en-GB" dirty="0">
+                <a:latin typeface="Arial" panose="020B0604020202020204" pitchFamily="34" charset="0"/>
+              </a:rPr>
+              <a:t>We expect in the future that while robotic bartenders won’t become mainstream, they may pop up from bar to bar. With hopefully market growing as efficiency, effectiveness and profitability grow.</a:t>
+            </a:r>
+            <a:endParaRPr lang="en-AU" dirty="0"/>
+          </a:p>
+        </p:txBody>
+      </p:sp>
+    </p:spTree>
+    <p:extLst>
+      <p:ext uri="{BB962C8B-B14F-4D97-AF65-F5344CB8AC3E}">
+        <p14:creationId xmlns:p14="http://schemas.microsoft.com/office/powerpoint/2010/main" val="299996852"/>
+      </p:ext>
+    </p:extLst>
+  </p:cSld>
+  <p:clrMapOvr>
+    <a:masterClrMapping/>
+  </p:clrMapOvr>
+  <mc:AlternateContent xmlns:mc="http://schemas.openxmlformats.org/markup-compatibility/2006">
+    <mc:Choice xmlns:p14="http://schemas.microsoft.com/office/powerpoint/2010/main" Requires="p14">
+      <p:transition spd="slow" p14:dur="2000" advTm="3838"/>
+    </mc:Choice>
+    <mc:Fallback>
+      <p:transition spd="slow" advTm="3838"/>
+    </mc:Fallback>
+  </mc:AlternateContent>
+</p:sld>
+</file>
+
+<file path=ppt/tags/tag1.xml><?xml version="1.0" encoding="utf-8"?>
+<p:tagLst xmlns:a="http://schemas.openxmlformats.org/drawingml/2006/main" xmlns:r="http://schemas.openxmlformats.org/officeDocument/2006/relationships" xmlns:p="http://schemas.openxmlformats.org/presentationml/2006/main">
+  <p:tag name="TIMING" val="|4.1|1.6"/>
+</p:tagLst>
 </file>
 
 <file path=ppt/theme/theme1.xml><?xml version="1.0" encoding="utf-8"?>
@@ -8264,21 +8239,6 @@
 </file>
 
 <file path=customXml/item1.xml><?xml version="1.0" encoding="utf-8"?>
-<p:properties xmlns:p="http://schemas.microsoft.com/office/2006/metadata/properties" xmlns:xsi="http://www.w3.org/2001/XMLSchema-instance" xmlns:pc="http://schemas.microsoft.com/office/infopath/2007/PartnerControls">
-  <documentManagement/>
-</p:properties>
-</file>
-
-<file path=customXml/item2.xml><?xml version="1.0" encoding="utf-8"?>
-<?mso-contentType ?>
-<FormTemplates xmlns="http://schemas.microsoft.com/sharepoint/v3/contenttype/forms">
-  <Display>DocumentLibraryForm</Display>
-  <Edit>DocumentLibraryForm</Edit>
-  <New>DocumentLibraryForm</New>
-</FormTemplates>
-</file>
-
-<file path=customXml/item3.xml><?xml version="1.0" encoding="utf-8"?>
 <ct:contentTypeSchema xmlns:ct="http://schemas.microsoft.com/office/2006/metadata/contentType" xmlns:ma="http://schemas.microsoft.com/office/2006/metadata/properties/metaAttributes" ct:_="" ma:_="" ma:contentTypeName="Document" ma:contentTypeID="0x010100F960DBD50EF6EB4FA69D7F2D00FCFC25" ma:contentTypeVersion="13" ma:contentTypeDescription="Create a new document." ma:contentTypeScope="" ma:versionID="66e6ed5493acdea33066203523bfffa8">
   <xsd:schema xmlns:xsd="http://www.w3.org/2001/XMLSchema" xmlns:xs="http://www.w3.org/2001/XMLSchema" xmlns:p="http://schemas.microsoft.com/office/2006/metadata/properties" xmlns:ns3="5943c3ba-9851-4522-bd8d-219f9558929f" xmlns:ns4="fe11bc9c-ebaf-4a48-b22b-188dc286737b" targetNamespace="http://schemas.microsoft.com/office/2006/metadata/properties" ma:root="true" ma:fieldsID="fb41b296f2a8c4d7eba1f68698b97d42" ns3:_="" ns4:_="">
     <xsd:import namespace="5943c3ba-9851-4522-bd8d-219f9558929f"/>
@@ -8501,32 +8461,22 @@
 </ct:contentTypeSchema>
 </file>
 
-<file path=customXml/itemProps1.xml><?xml version="1.0" encoding="utf-8"?>
-<ds:datastoreItem xmlns:ds="http://schemas.openxmlformats.org/officeDocument/2006/customXml" ds:itemID="{B35D79EA-CC4F-4A51-8308-0949B92CC092}">
-  <ds:schemaRefs>
-    <ds:schemaRef ds:uri="http://schemas.microsoft.com/office/2006/documentManagement/types"/>
-    <ds:schemaRef ds:uri="http://purl.org/dc/dcmitype/"/>
-    <ds:schemaRef ds:uri="http://purl.org/dc/elements/1.1/"/>
-    <ds:schemaRef ds:uri="http://schemas.microsoft.com/office/infopath/2007/PartnerControls"/>
-    <ds:schemaRef ds:uri="5943c3ba-9851-4522-bd8d-219f9558929f"/>
-    <ds:schemaRef ds:uri="http://purl.org/dc/terms/"/>
-    <ds:schemaRef ds:uri="http://www.w3.org/XML/1998/namespace"/>
-    <ds:schemaRef ds:uri="http://schemas.openxmlformats.org/package/2006/metadata/core-properties"/>
-    <ds:schemaRef ds:uri="fe11bc9c-ebaf-4a48-b22b-188dc286737b"/>
-    <ds:schemaRef ds:uri="http://schemas.microsoft.com/office/2006/metadata/properties"/>
-  </ds:schemaRefs>
-</ds:datastoreItem>
+<file path=customXml/item2.xml><?xml version="1.0" encoding="utf-8"?>
+<?mso-contentType ?>
+<FormTemplates xmlns="http://schemas.microsoft.com/sharepoint/v3/contenttype/forms">
+  <Display>DocumentLibraryForm</Display>
+  <Edit>DocumentLibraryForm</Edit>
+  <New>DocumentLibraryForm</New>
+</FormTemplates>
 </file>
 
-<file path=customXml/itemProps2.xml><?xml version="1.0" encoding="utf-8"?>
-<ds:datastoreItem xmlns:ds="http://schemas.openxmlformats.org/officeDocument/2006/customXml" ds:itemID="{B1F1F8F2-739D-43DA-A944-AD58EA709EBF}">
-  <ds:schemaRefs>
-    <ds:schemaRef ds:uri="http://schemas.microsoft.com/sharepoint/v3/contenttype/forms"/>
-  </ds:schemaRefs>
-</ds:datastoreItem>
+<file path=customXml/item3.xml><?xml version="1.0" encoding="utf-8"?>
+<p:properties xmlns:p="http://schemas.microsoft.com/office/2006/metadata/properties" xmlns:xsi="http://www.w3.org/2001/XMLSchema-instance" xmlns:pc="http://schemas.microsoft.com/office/infopath/2007/PartnerControls">
+  <documentManagement/>
+</p:properties>
 </file>
 
-<file path=customXml/itemProps3.xml><?xml version="1.0" encoding="utf-8"?>
+<file path=customXml/itemProps1.xml><?xml version="1.0" encoding="utf-8"?>
 <ds:datastoreItem xmlns:ds="http://schemas.openxmlformats.org/officeDocument/2006/customXml" ds:itemID="{05365925-A726-40EB-90FA-5205218F7B69}">
   <ds:schemaRefs>
     <ds:schemaRef ds:uri="http://schemas.microsoft.com/office/2006/metadata/contentType"/>
@@ -8543,4 +8493,29 @@
     <ds:schemaRef ds:uri="http://schemas.microsoft.com/internal/obd"/>
   </ds:schemaRefs>
 </ds:datastoreItem>
+</file>
+
+<file path=customXml/itemProps2.xml><?xml version="1.0" encoding="utf-8"?>
+<ds:datastoreItem xmlns:ds="http://schemas.openxmlformats.org/officeDocument/2006/customXml" ds:itemID="{B1F1F8F2-739D-43DA-A944-AD58EA709EBF}">
+  <ds:schemaRefs>
+    <ds:schemaRef ds:uri="http://schemas.microsoft.com/sharepoint/v3/contenttype/forms"/>
+  </ds:schemaRefs>
+</ds:datastoreItem>
+</file>
+
+<file path=customXml/itemProps3.xml><?xml version="1.0" encoding="utf-8"?>
+<ds:datastoreItem xmlns:ds="http://schemas.openxmlformats.org/officeDocument/2006/customXml" ds:itemID="{B35D79EA-CC4F-4A51-8308-0949B92CC092}">
+  <ds:schemaRefs>
+    <ds:schemaRef ds:uri="http://schemas.microsoft.com/office/2006/documentManagement/types"/>
+    <ds:schemaRef ds:uri="http://purl.org/dc/dcmitype/"/>
+    <ds:schemaRef ds:uri="http://purl.org/dc/elements/1.1/"/>
+    <ds:schemaRef ds:uri="http://schemas.microsoft.com/office/infopath/2007/PartnerControls"/>
+    <ds:schemaRef ds:uri="5943c3ba-9851-4522-bd8d-219f9558929f"/>
+    <ds:schemaRef ds:uri="http://purl.org/dc/terms/"/>
+    <ds:schemaRef ds:uri="http://www.w3.org/XML/1998/namespace"/>
+    <ds:schemaRef ds:uri="http://schemas.openxmlformats.org/package/2006/metadata/core-properties"/>
+    <ds:schemaRef ds:uri="fe11bc9c-ebaf-4a48-b22b-188dc286737b"/>
+    <ds:schemaRef ds:uri="http://schemas.microsoft.com/office/2006/metadata/properties"/>
+  </ds:schemaRefs>
+</ds:datastoreItem>
 </file>
--- a/Assignment Documents/Final Video/UR10e Robot Cocktailer Maker.pptx
+++ b/Assignment Documents/Final Video/UR10e Robot Cocktailer Maker.pptx
@@ -1562,7 +1562,7 @@
           <a:p>
             <a:fld id="{0B45093B-8425-4903-AE2F-015B4F379019}" type="datetimeFigureOut">
               <a:rPr lang="en-AU" smtClean="0"/>
-              <a:t>23/05/2022</a:t>
+              <a:t>25/05/2022</a:t>
             </a:fld>
             <a:endParaRPr lang="en-AU"/>
           </a:p>
@@ -1741,7 +1741,7 @@
           <a:p>
             <a:fld id="{0B45093B-8425-4903-AE2F-015B4F379019}" type="datetimeFigureOut">
               <a:rPr lang="en-AU" smtClean="0"/>
-              <a:t>23/05/2022</a:t>
+              <a:t>25/05/2022</a:t>
             </a:fld>
             <a:endParaRPr lang="en-AU"/>
           </a:p>
@@ -1921,7 +1921,7 @@
           <a:p>
             <a:fld id="{0B45093B-8425-4903-AE2F-015B4F379019}" type="datetimeFigureOut">
               <a:rPr lang="en-AU" smtClean="0"/>
-              <a:t>23/05/2022</a:t>
+              <a:t>25/05/2022</a:t>
             </a:fld>
             <a:endParaRPr lang="en-AU"/>
           </a:p>
@@ -2091,7 +2091,7 @@
           <a:p>
             <a:fld id="{0B45093B-8425-4903-AE2F-015B4F379019}" type="datetimeFigureOut">
               <a:rPr lang="en-AU" smtClean="0"/>
-              <a:t>23/05/2022</a:t>
+              <a:t>25/05/2022</a:t>
             </a:fld>
             <a:endParaRPr lang="en-AU"/>
           </a:p>
@@ -2404,7 +2404,7 @@
           <a:p>
             <a:fld id="{0B45093B-8425-4903-AE2F-015B4F379019}" type="datetimeFigureOut">
               <a:rPr lang="en-AU" smtClean="0"/>
-              <a:t>23/05/2022</a:t>
+              <a:t>25/05/2022</a:t>
             </a:fld>
             <a:endParaRPr lang="en-AU"/>
           </a:p>
@@ -2790,7 +2790,7 @@
           <a:p>
             <a:fld id="{0B45093B-8425-4903-AE2F-015B4F379019}" type="datetimeFigureOut">
               <a:rPr lang="en-AU" smtClean="0"/>
-              <a:t>23/05/2022</a:t>
+              <a:t>25/05/2022</a:t>
             </a:fld>
             <a:endParaRPr lang="en-AU"/>
           </a:p>
@@ -3224,7 +3224,7 @@
           <a:p>
             <a:fld id="{0B45093B-8425-4903-AE2F-015B4F379019}" type="datetimeFigureOut">
               <a:rPr lang="en-AU" smtClean="0"/>
-              <a:t>23/05/2022</a:t>
+              <a:t>25/05/2022</a:t>
             </a:fld>
             <a:endParaRPr lang="en-AU"/>
           </a:p>
@@ -3342,7 +3342,7 @@
           <a:p>
             <a:fld id="{0B45093B-8425-4903-AE2F-015B4F379019}" type="datetimeFigureOut">
               <a:rPr lang="en-AU" smtClean="0"/>
-              <a:t>23/05/2022</a:t>
+              <a:t>25/05/2022</a:t>
             </a:fld>
             <a:endParaRPr lang="en-AU"/>
           </a:p>
@@ -3437,7 +3437,7 @@
           <a:p>
             <a:fld id="{0B45093B-8425-4903-AE2F-015B4F379019}" type="datetimeFigureOut">
               <a:rPr lang="en-AU" smtClean="0"/>
-              <a:t>23/05/2022</a:t>
+              <a:t>25/05/2022</a:t>
             </a:fld>
             <a:endParaRPr lang="en-AU"/>
           </a:p>
@@ -3787,7 +3787,7 @@
           <a:p>
             <a:fld id="{0B45093B-8425-4903-AE2F-015B4F379019}" type="datetimeFigureOut">
               <a:rPr lang="en-AU" smtClean="0"/>
-              <a:t>23/05/2022</a:t>
+              <a:t>25/05/2022</a:t>
             </a:fld>
             <a:endParaRPr lang="en-AU"/>
           </a:p>
@@ -4212,7 +4212,7 @@
           <a:p>
             <a:fld id="{0B45093B-8425-4903-AE2F-015B4F379019}" type="datetimeFigureOut">
               <a:rPr lang="en-AU" smtClean="0"/>
-              <a:t>23/05/2022</a:t>
+              <a:t>25/05/2022</a:t>
             </a:fld>
             <a:endParaRPr lang="en-AU"/>
           </a:p>
@@ -4493,7 +4493,7 @@
           <a:p>
             <a:fld id="{0B45093B-8425-4903-AE2F-015B4F379019}" type="datetimeFigureOut">
               <a:rPr lang="en-AU" smtClean="0"/>
-              <a:t>23/05/2022</a:t>
+              <a:t>25/05/2022</a:t>
             </a:fld>
             <a:endParaRPr lang="en-AU"/>
           </a:p>
@@ -5452,11 +5452,11 @@
   <p:clrMapOvr>
     <a:masterClrMapping/>
   </p:clrMapOvr>
-  <mc:AlternateContent xmlns:mc="http://schemas.openxmlformats.org/markup-compatibility/2006">
-    <mc:Choice xmlns:p14="http://schemas.microsoft.com/office/powerpoint/2010/main" Requires="p14">
+  <mc:AlternateContent xmlns:mc="http://schemas.openxmlformats.org/markup-compatibility/2006" xmlns:p14="http://schemas.microsoft.com/office/powerpoint/2010/main">
+    <mc:Choice Requires="p14">
       <p:transition spd="slow" p14:dur="2000" advTm="10047"/>
     </mc:Choice>
-    <mc:Fallback>
+    <mc:Fallback xmlns="">
       <p:transition spd="slow" advTm="10047"/>
     </mc:Fallback>
   </mc:AlternateContent>
@@ -6074,11 +6074,11 @@
   <p:clrMapOvr>
     <a:masterClrMapping/>
   </p:clrMapOvr>
-  <mc:AlternateContent xmlns:mc="http://schemas.openxmlformats.org/markup-compatibility/2006">
-    <mc:Choice xmlns:p14="http://schemas.microsoft.com/office/powerpoint/2010/main" Requires="p14">
+  <mc:AlternateContent xmlns:mc="http://schemas.openxmlformats.org/markup-compatibility/2006" xmlns:p14="http://schemas.microsoft.com/office/powerpoint/2010/main">
+    <mc:Choice Requires="p14">
       <p:transition spd="slow" p14:dur="2000" advTm="6866"/>
     </mc:Choice>
-    <mc:Fallback>
+    <mc:Fallback xmlns="">
       <p:transition spd="slow" advTm="6866"/>
     </mc:Fallback>
   </mc:AlternateContent>
@@ -6145,11 +6145,11 @@
   <p:clrMapOvr>
     <a:masterClrMapping/>
   </p:clrMapOvr>
-  <mc:AlternateContent xmlns:mc="http://schemas.openxmlformats.org/markup-compatibility/2006">
-    <mc:Choice xmlns:p14="http://schemas.microsoft.com/office/powerpoint/2010/main" Requires="p14">
+  <mc:AlternateContent xmlns:mc="http://schemas.openxmlformats.org/markup-compatibility/2006" xmlns:p14="http://schemas.microsoft.com/office/powerpoint/2010/main">
+    <mc:Choice Requires="p14">
       <p:transition spd="slow" p14:dur="2000" advTm="3993"/>
     </mc:Choice>
-    <mc:Fallback>
+    <mc:Fallback xmlns="">
       <p:transition spd="slow" advTm="3993"/>
     </mc:Fallback>
   </mc:AlternateContent>
@@ -6243,11 +6243,11 @@
   <p:clrMapOvr>
     <a:masterClrMapping/>
   </p:clrMapOvr>
-  <mc:AlternateContent xmlns:mc="http://schemas.openxmlformats.org/markup-compatibility/2006">
-    <mc:Choice xmlns:p14="http://schemas.microsoft.com/office/powerpoint/2010/main" Requires="p14">
+  <mc:AlternateContent xmlns:mc="http://schemas.openxmlformats.org/markup-compatibility/2006" xmlns:p14="http://schemas.microsoft.com/office/powerpoint/2010/main">
+    <mc:Choice Requires="p14">
       <p:transition spd="slow" p14:dur="2000" advTm="2435"/>
     </mc:Choice>
-    <mc:Fallback>
+    <mc:Fallback xmlns="">
       <p:transition spd="slow" advTm="2435"/>
     </mc:Fallback>
   </mc:AlternateContent>
@@ -6854,11 +6854,11 @@
   <p:clrMapOvr>
     <a:masterClrMapping/>
   </p:clrMapOvr>
-  <mc:AlternateContent xmlns:mc="http://schemas.openxmlformats.org/markup-compatibility/2006">
-    <mc:Choice xmlns:p14="http://schemas.microsoft.com/office/powerpoint/2010/main" Requires="p14">
+  <mc:AlternateContent xmlns:mc="http://schemas.openxmlformats.org/markup-compatibility/2006" xmlns:p14="http://schemas.microsoft.com/office/powerpoint/2010/main">
+    <mc:Choice Requires="p14">
       <p:transition spd="slow" p14:dur="2000" advTm="9131"/>
     </mc:Choice>
-    <mc:Fallback>
+    <mc:Fallback xmlns="">
       <p:transition spd="slow" advTm="9131"/>
     </mc:Fallback>
   </mc:AlternateContent>
@@ -7019,11 +7019,11 @@
   <p:clrMapOvr>
     <a:masterClrMapping/>
   </p:clrMapOvr>
-  <mc:AlternateContent xmlns:mc="http://schemas.openxmlformats.org/markup-compatibility/2006">
-    <mc:Choice xmlns:p14="http://schemas.microsoft.com/office/powerpoint/2010/main" Requires="p14">
+  <mc:AlternateContent xmlns:mc="http://schemas.openxmlformats.org/markup-compatibility/2006" xmlns:p14="http://schemas.microsoft.com/office/powerpoint/2010/main">
+    <mc:Choice Requires="p14">
       <p:transition spd="slow" p14:dur="2000" advTm="3356"/>
     </mc:Choice>
-    <mc:Fallback>
+    <mc:Fallback xmlns="">
       <p:transition spd="slow" advTm="3356"/>
     </mc:Fallback>
   </mc:AlternateContent>
@@ -7397,11 +7397,11 @@
   <p:clrMapOvr>
     <a:masterClrMapping/>
   </p:clrMapOvr>
-  <mc:AlternateContent xmlns:mc="http://schemas.openxmlformats.org/markup-compatibility/2006">
-    <mc:Choice xmlns:p14="http://schemas.microsoft.com/office/powerpoint/2010/main" Requires="p14">
+  <mc:AlternateContent xmlns:mc="http://schemas.openxmlformats.org/markup-compatibility/2006" xmlns:p14="http://schemas.microsoft.com/office/powerpoint/2010/main">
+    <mc:Choice Requires="p14">
       <p:transition spd="slow" p14:dur="2000" advTm="8035"/>
     </mc:Choice>
-    <mc:Fallback>
+    <mc:Fallback xmlns="">
       <p:transition spd="slow" advTm="8035"/>
     </mc:Fallback>
   </mc:AlternateContent>
@@ -7878,11 +7878,11 @@
   <p:clrMapOvr>
     <a:masterClrMapping/>
   </p:clrMapOvr>
-  <mc:AlternateContent xmlns:mc="http://schemas.openxmlformats.org/markup-compatibility/2006">
-    <mc:Choice xmlns:p14="http://schemas.microsoft.com/office/powerpoint/2010/main" Requires="p14">
+  <mc:AlternateContent xmlns:mc="http://schemas.openxmlformats.org/markup-compatibility/2006" xmlns:p14="http://schemas.microsoft.com/office/powerpoint/2010/main">
+    <mc:Choice Requires="p14">
       <p:transition spd="slow" p14:dur="2000" advTm="9512"/>
     </mc:Choice>
-    <mc:Fallback>
+    <mc:Fallback xmlns="">
       <p:transition spd="slow" advTm="9512"/>
     </mc:Fallback>
   </mc:AlternateContent>
@@ -7892,6 +7892,14 @@
 <file path=ppt/slides/slide9.xml><?xml version="1.0" encoding="utf-8"?>
 <p:sld xmlns:a="http://schemas.openxmlformats.org/drawingml/2006/main" xmlns:r="http://schemas.openxmlformats.org/officeDocument/2006/relationships" xmlns:p="http://schemas.openxmlformats.org/presentationml/2006/main">
   <p:cSld>
+    <p:bg>
+      <p:bgPr>
+        <a:solidFill>
+          <a:schemeClr val="bg1"/>
+        </a:solidFill>
+        <a:effectLst/>
+      </p:bgPr>
+    </p:bg>
     <p:spTree>
       <p:nvGrpSpPr>
         <p:cNvPr id="1" name=""/>
@@ -7906,6 +7914,288 @@
           <a:chExt cx="0" cy="0"/>
         </a:xfrm>
       </p:grpSpPr>
+      <p:sp useBgFill="1">
+        <p:nvSpPr>
+          <p:cNvPr id="9" name="Rectangle 8">
+            <a:extLst>
+              <a:ext uri="{FF2B5EF4-FFF2-40B4-BE49-F238E27FC236}">
+                <a16:creationId xmlns:a16="http://schemas.microsoft.com/office/drawing/2014/main" id="{E009DD9B-5EE2-4C0D-8B2B-351C8C102205}"/>
+              </a:ext>
+              <a:ext uri="{C183D7F6-B498-43B3-948B-1728B52AA6E4}">
+                <adec:decorative xmlns:adec="http://schemas.microsoft.com/office/drawing/2017/decorative" val="1"/>
+              </a:ext>
+            </a:extLst>
+          </p:cNvPr>
+          <p:cNvSpPr>
+            <a:spLocks noGrp="1" noRot="1" noChangeAspect="1" noMove="1" noResize="1" noEditPoints="1" noAdjustHandles="1" noChangeArrowheads="1" noChangeShapeType="1" noTextEdit="1"/>
+          </p:cNvSpPr>
+          <p:nvPr>
+            <p:extLst>
+              <p:ext uri="{386F3935-93C4-4BCD-93E2-E3B085C9AB24}">
+                <p16:designElem xmlns:p16="http://schemas.microsoft.com/office/powerpoint/2015/main" val="1"/>
+              </p:ext>
+            </p:extLst>
+          </p:nvPr>
+        </p:nvSpPr>
+        <p:spPr>
+          <a:xfrm>
+            <a:off x="0" y="0"/>
+            <a:ext cx="12192000" cy="6858000"/>
+          </a:xfrm>
+          <a:prstGeom prst="rect">
+            <a:avLst/>
+          </a:prstGeom>
+          <a:ln>
+            <a:noFill/>
+          </a:ln>
+        </p:spPr>
+        <p:style>
+          <a:lnRef idx="2">
+            <a:schemeClr val="accent1">
+              <a:shade val="50000"/>
+            </a:schemeClr>
+          </a:lnRef>
+          <a:fillRef idx="1">
+            <a:schemeClr val="accent1"/>
+          </a:fillRef>
+          <a:effectRef idx="0">
+            <a:schemeClr val="accent1"/>
+          </a:effectRef>
+          <a:fontRef idx="minor">
+            <a:schemeClr val="lt1"/>
+          </a:fontRef>
+        </p:style>
+        <p:txBody>
+          <a:bodyPr rtlCol="0" anchor="ctr"/>
+          <a:lstStyle/>
+          <a:p>
+            <a:pPr algn="ctr"/>
+            <a:endParaRPr lang="en-US"/>
+          </a:p>
+        </p:txBody>
+      </p:sp>
+      <p:sp>
+        <p:nvSpPr>
+          <p:cNvPr id="11" name="Rectangle 10">
+            <a:extLst>
+              <a:ext uri="{FF2B5EF4-FFF2-40B4-BE49-F238E27FC236}">
+                <a16:creationId xmlns:a16="http://schemas.microsoft.com/office/drawing/2014/main" id="{E720DB99-7745-4E75-9D96-AAB6D55C531E}"/>
+              </a:ext>
+              <a:ext uri="{C183D7F6-B498-43B3-948B-1728B52AA6E4}">
+                <adec:decorative xmlns:adec="http://schemas.microsoft.com/office/drawing/2017/decorative" val="1"/>
+              </a:ext>
+            </a:extLst>
+          </p:cNvPr>
+          <p:cNvSpPr>
+            <a:spLocks noGrp="1" noRot="1" noChangeAspect="1" noMove="1" noResize="1" noEditPoints="1" noAdjustHandles="1" noChangeArrowheads="1" noChangeShapeType="1" noTextEdit="1"/>
+          </p:cNvSpPr>
+          <p:nvPr>
+            <p:extLst>
+              <p:ext uri="{386F3935-93C4-4BCD-93E2-E3B085C9AB24}">
+                <p16:designElem xmlns:p16="http://schemas.microsoft.com/office/powerpoint/2015/main" val="1"/>
+              </p:ext>
+            </p:extLst>
+          </p:nvPr>
+        </p:nvSpPr>
+        <p:spPr>
+          <a:xfrm>
+            <a:off x="984504" y="464119"/>
+            <a:ext cx="10222992" cy="80683"/>
+          </a:xfrm>
+          <a:prstGeom prst="rect">
+            <a:avLst/>
+          </a:prstGeom>
+          <a:blipFill dpi="0" rotWithShape="1">
+            <a:blip r:embed="rId2">
+              <a:alphaModFix amt="85000"/>
+              <a:lum bright="70000" contrast="-70000"/>
+              <a:extLst>
+                <a:ext uri="{BEBA8EAE-BF5A-486C-A8C5-ECC9F3942E4B}">
+                  <a14:imgProps xmlns:a14="http://schemas.microsoft.com/office/drawing/2010/main">
+                    <a14:imgLayer r:embed="rId3">
+                      <a14:imgEffect>
+                        <a14:sharpenSoften amount="61000"/>
+                      </a14:imgEffect>
+                    </a14:imgLayer>
+                  </a14:imgProps>
+                </a:ext>
+                <a:ext uri="{28A0092B-C50C-407E-A947-70E740481C1C}">
+                  <a14:useLocalDpi xmlns:a14="http://schemas.microsoft.com/office/drawing/2010/main" val="0"/>
+                </a:ext>
+              </a:extLst>
+            </a:blip>
+            <a:srcRect/>
+            <a:tile tx="0" ty="-762000" sx="92000" sy="89000" flip="xy" algn="ctr"/>
+          </a:blipFill>
+          <a:ln>
+            <a:noFill/>
+          </a:ln>
+        </p:spPr>
+        <p:style>
+          <a:lnRef idx="2">
+            <a:schemeClr val="accent1">
+              <a:shade val="50000"/>
+            </a:schemeClr>
+          </a:lnRef>
+          <a:fillRef idx="1">
+            <a:schemeClr val="accent1"/>
+          </a:fillRef>
+          <a:effectRef idx="0">
+            <a:schemeClr val="accent1"/>
+          </a:effectRef>
+          <a:fontRef idx="minor">
+            <a:schemeClr val="lt1"/>
+          </a:fontRef>
+        </p:style>
+      </p:sp>
+      <p:sp>
+        <p:nvSpPr>
+          <p:cNvPr id="13" name="Rectangle 12">
+            <a:extLst>
+              <a:ext uri="{FF2B5EF4-FFF2-40B4-BE49-F238E27FC236}">
+                <a16:creationId xmlns:a16="http://schemas.microsoft.com/office/drawing/2014/main" id="{D68803C4-E159-4360-B7BB-74205C8F782D}"/>
+              </a:ext>
+              <a:ext uri="{C183D7F6-B498-43B3-948B-1728B52AA6E4}">
+                <adec:decorative xmlns:adec="http://schemas.microsoft.com/office/drawing/2017/decorative" val="1"/>
+              </a:ext>
+            </a:extLst>
+          </p:cNvPr>
+          <p:cNvSpPr>
+            <a:spLocks noGrp="1" noRot="1" noChangeAspect="1" noMove="1" noResize="1" noEditPoints="1" noAdjustHandles="1" noChangeArrowheads="1" noChangeShapeType="1" noTextEdit="1"/>
+          </p:cNvSpPr>
+          <p:nvPr>
+            <p:extLst>
+              <p:ext uri="{386F3935-93C4-4BCD-93E2-E3B085C9AB24}">
+                <p16:designElem xmlns:p16="http://schemas.microsoft.com/office/powerpoint/2015/main" val="1"/>
+              </p:ext>
+            </p:extLst>
+          </p:nvPr>
+        </p:nvSpPr>
+        <p:spPr>
+          <a:xfrm>
+            <a:off x="984504" y="601952"/>
+            <a:ext cx="10222992" cy="1385874"/>
+          </a:xfrm>
+          <a:prstGeom prst="rect">
+            <a:avLst/>
+          </a:prstGeom>
+          <a:blipFill dpi="0" rotWithShape="1">
+            <a:blip r:embed="rId2">
+              <a:alphaModFix amt="85000"/>
+              <a:lum bright="70000" contrast="-70000"/>
+              <a:extLst>
+                <a:ext uri="{BEBA8EAE-BF5A-486C-A8C5-ECC9F3942E4B}">
+                  <a14:imgProps xmlns:a14="http://schemas.microsoft.com/office/drawing/2010/main">
+                    <a14:imgLayer r:embed="rId3">
+                      <a14:imgEffect>
+                        <a14:sharpenSoften amount="61000"/>
+                      </a14:imgEffect>
+                    </a14:imgLayer>
+                  </a14:imgProps>
+                </a:ext>
+                <a:ext uri="{28A0092B-C50C-407E-A947-70E740481C1C}">
+                  <a14:useLocalDpi xmlns:a14="http://schemas.microsoft.com/office/drawing/2010/main" val="0"/>
+                </a:ext>
+              </a:extLst>
+            </a:blip>
+            <a:srcRect/>
+            <a:tile tx="0" ty="-704850" sx="92000" sy="89000" flip="xy" algn="ctr"/>
+          </a:blipFill>
+          <a:ln>
+            <a:noFill/>
+          </a:ln>
+        </p:spPr>
+        <p:style>
+          <a:lnRef idx="2">
+            <a:schemeClr val="accent1">
+              <a:shade val="50000"/>
+            </a:schemeClr>
+          </a:lnRef>
+          <a:fillRef idx="1">
+            <a:schemeClr val="accent1"/>
+          </a:fillRef>
+          <a:effectRef idx="0">
+            <a:schemeClr val="accent1"/>
+          </a:effectRef>
+          <a:fontRef idx="minor">
+            <a:schemeClr val="lt1"/>
+          </a:fontRef>
+        </p:style>
+      </p:sp>
+      <p:sp>
+        <p:nvSpPr>
+          <p:cNvPr id="15" name="Rectangle 14">
+            <a:extLst>
+              <a:ext uri="{FF2B5EF4-FFF2-40B4-BE49-F238E27FC236}">
+                <a16:creationId xmlns:a16="http://schemas.microsoft.com/office/drawing/2014/main" id="{504B0465-3B07-49BF-BEA7-D81476246293}"/>
+              </a:ext>
+              <a:ext uri="{C183D7F6-B498-43B3-948B-1728B52AA6E4}">
+                <adec:decorative xmlns:adec="http://schemas.microsoft.com/office/drawing/2017/decorative" val="1"/>
+              </a:ext>
+            </a:extLst>
+          </p:cNvPr>
+          <p:cNvSpPr>
+            <a:spLocks noGrp="1" noRot="1" noChangeAspect="1" noMove="1" noResize="1" noEditPoints="1" noAdjustHandles="1" noChangeArrowheads="1" noChangeShapeType="1" noTextEdit="1"/>
+          </p:cNvSpPr>
+          <p:nvPr>
+            <p:extLst>
+              <p:ext uri="{386F3935-93C4-4BCD-93E2-E3B085C9AB24}">
+                <p16:designElem xmlns:p16="http://schemas.microsoft.com/office/powerpoint/2015/main" val="1"/>
+              </p:ext>
+            </p:extLst>
+          </p:nvPr>
+        </p:nvSpPr>
+        <p:spPr>
+          <a:xfrm>
+            <a:off x="984504" y="2038655"/>
+            <a:ext cx="10222992" cy="80683"/>
+          </a:xfrm>
+          <a:prstGeom prst="rect">
+            <a:avLst/>
+          </a:prstGeom>
+          <a:blipFill dpi="0" rotWithShape="1">
+            <a:blip r:embed="rId2">
+              <a:alphaModFix amt="85000"/>
+              <a:lum bright="70000" contrast="-70000"/>
+              <a:extLst>
+                <a:ext uri="{BEBA8EAE-BF5A-486C-A8C5-ECC9F3942E4B}">
+                  <a14:imgProps xmlns:a14="http://schemas.microsoft.com/office/drawing/2010/main">
+                    <a14:imgLayer r:embed="rId3">
+                      <a14:imgEffect>
+                        <a14:sharpenSoften amount="61000"/>
+                      </a14:imgEffect>
+                    </a14:imgLayer>
+                  </a14:imgProps>
+                </a:ext>
+                <a:ext uri="{28A0092B-C50C-407E-A947-70E740481C1C}">
+                  <a14:useLocalDpi xmlns:a14="http://schemas.microsoft.com/office/drawing/2010/main" val="0"/>
+                </a:ext>
+              </a:extLst>
+            </a:blip>
+            <a:srcRect/>
+            <a:tile tx="0" ty="-717550" sx="92000" sy="89000" flip="xy" algn="ctr"/>
+          </a:blipFill>
+          <a:ln>
+            <a:noFill/>
+          </a:ln>
+        </p:spPr>
+        <p:style>
+          <a:lnRef idx="2">
+            <a:schemeClr val="accent1">
+              <a:shade val="50000"/>
+            </a:schemeClr>
+          </a:lnRef>
+          <a:fillRef idx="1">
+            <a:schemeClr val="accent1"/>
+          </a:fillRef>
+          <a:effectRef idx="0">
+            <a:schemeClr val="accent1"/>
+          </a:effectRef>
+          <a:fontRef idx="minor">
+            <a:schemeClr val="lt1"/>
+          </a:fontRef>
+        </p:style>
+      </p:sp>
       <p:sp>
         <p:nvSpPr>
           <p:cNvPr id="2" name="Title 1">
@@ -7922,9 +8212,16 @@
             <p:ph type="title"/>
           </p:nvPr>
         </p:nvSpPr>
-        <p:spPr/>
+        <p:spPr>
+          <a:xfrm>
+            <a:off x="1069848" y="484632"/>
+            <a:ext cx="10058400" cy="1609344"/>
+          </a:xfrm>
+        </p:spPr>
         <p:txBody>
-          <a:bodyPr/>
+          <a:bodyPr>
+            <a:normAutofit/>
+          </a:bodyPr>
           <a:lstStyle/>
           <a:p>
             <a:r>
@@ -7934,6 +8231,35 @@
           </a:p>
         </p:txBody>
       </p:sp>
+      <p:pic>
+        <p:nvPicPr>
+          <p:cNvPr id="4" name="Picture 3">
+            <a:extLst>
+              <a:ext uri="{FF2B5EF4-FFF2-40B4-BE49-F238E27FC236}">
+                <a16:creationId xmlns:a16="http://schemas.microsoft.com/office/drawing/2014/main" id="{6C294EB3-AA1D-1DB5-C534-D27377FCAC9F}"/>
+              </a:ext>
+            </a:extLst>
+          </p:cNvPr>
+          <p:cNvPicPr>
+            <a:picLocks noChangeAspect="1"/>
+          </p:cNvPicPr>
+          <p:nvPr/>
+        </p:nvPicPr>
+        <p:blipFill rotWithShape="1">
+          <a:blip r:embed="rId4"/>
+          <a:srcRect l="17550" r="13093" b="-3"/>
+          <a:stretch/>
+        </p:blipFill>
+        <p:spPr>
+          <a:xfrm>
+            <a:off x="1007196" y="2265037"/>
+            <a:ext cx="5088800" cy="3907158"/>
+          </a:xfrm>
+          <a:prstGeom prst="rect">
+            <a:avLst/>
+          </a:prstGeom>
+        </p:spPr>
+      </p:pic>
       <p:sp>
         <p:nvSpPr>
           <p:cNvPr id="3" name="Content Placeholder 2">
@@ -7950,13 +8276,20 @@
             <p:ph idx="1"/>
           </p:nvPr>
         </p:nvSpPr>
-        <p:spPr/>
+        <p:spPr>
+          <a:xfrm>
+            <a:off x="6496216" y="2320412"/>
+            <a:ext cx="4632031" cy="3851787"/>
+          </a:xfrm>
+        </p:spPr>
         <p:txBody>
-          <a:bodyPr/>
+          <a:bodyPr anchor="ctr">
+            <a:normAutofit/>
+          </a:bodyPr>
           <a:lstStyle/>
           <a:p>
             <a:r>
-              <a:rPr lang="en-GB" b="0" i="0" dirty="0">
+              <a:rPr lang="en-GB" sz="1700" b="0" i="0">
                 <a:effectLst/>
                 <a:latin typeface="Arial" panose="020B0604020202020204" pitchFamily="34" charset="0"/>
               </a:rPr>
@@ -7965,7 +8298,7 @@
           </a:p>
           <a:p>
             <a:r>
-              <a:rPr lang="en-GB" dirty="0">
+              <a:rPr lang="en-GB" sz="1700">
                 <a:latin typeface="Arial" panose="020B0604020202020204" pitchFamily="34" charset="0"/>
               </a:rPr>
               <a:t>There are similar current implementations that don’t utilise a complex gripper and thus are reliant on standardised bottles and huge setups, our design can be installed in a current bar and run from day 1</a:t>
@@ -7973,12 +8306,178 @@
           </a:p>
           <a:p>
             <a:r>
-              <a:rPr lang="en-GB" dirty="0">
+              <a:rPr lang="en-GB" sz="1700">
                 <a:latin typeface="Arial" panose="020B0604020202020204" pitchFamily="34" charset="0"/>
               </a:rPr>
               <a:t>We expect in the future that while robotic bartenders won’t become mainstream, they may pop up from bar to bar. With hopefully market growing as efficiency, effectiveness and profitability grow.</a:t>
             </a:r>
-            <a:endParaRPr lang="en-AU" dirty="0"/>
+            <a:endParaRPr lang="en-AU" sz="1700"/>
+          </a:p>
+        </p:txBody>
+      </p:sp>
+      <p:sp>
+        <p:nvSpPr>
+          <p:cNvPr id="17" name="Oval 16">
+            <a:extLst>
+              <a:ext uri="{FF2B5EF4-FFF2-40B4-BE49-F238E27FC236}">
+                <a16:creationId xmlns:a16="http://schemas.microsoft.com/office/drawing/2014/main" id="{49B7FFA5-14CB-4A4F-9BCC-CA3AA5D9D276}"/>
+              </a:ext>
+              <a:ext uri="{C183D7F6-B498-43B3-948B-1728B52AA6E4}">
+                <adec:decorative xmlns:adec="http://schemas.microsoft.com/office/drawing/2017/decorative" val="1"/>
+              </a:ext>
+            </a:extLst>
+          </p:cNvPr>
+          <p:cNvSpPr>
+            <a:spLocks noGrp="1" noRot="1" noChangeAspect="1" noMove="1" noResize="1" noEditPoints="1" noAdjustHandles="1" noChangeArrowheads="1" noChangeShapeType="1" noTextEdit="1"/>
+          </p:cNvSpPr>
+          <p:nvPr>
+            <p:extLst>
+              <p:ext uri="{386F3935-93C4-4BCD-93E2-E3B085C9AB24}">
+                <p16:designElem xmlns:p16="http://schemas.microsoft.com/office/powerpoint/2015/main" val="1"/>
+              </p:ext>
+            </p:extLst>
+          </p:nvPr>
+        </p:nvSpPr>
+        <p:spPr>
+          <a:xfrm>
+            <a:off x="11401725" y="6229681"/>
+            <a:ext cx="457200" cy="457200"/>
+          </a:xfrm>
+          <a:prstGeom prst="ellipse">
+            <a:avLst/>
+          </a:prstGeom>
+          <a:blipFill dpi="0" rotWithShape="1">
+            <a:blip r:embed="rId5">
+              <a:duotone>
+                <a:schemeClr val="accent1">
+                  <a:shade val="45000"/>
+                  <a:satMod val="135000"/>
+                </a:schemeClr>
+                <a:prstClr val="white"/>
+              </a:duotone>
+            </a:blip>
+            <a:srcRect/>
+            <a:tile tx="50800" ty="0" sx="85000" sy="85000" flip="none" algn="tl"/>
+          </a:blipFill>
+          <a:ln w="25400" cap="flat" cmpd="sng" algn="ctr">
+            <a:noFill/>
+            <a:prstDash val="solid"/>
+          </a:ln>
+          <a:effectLst/>
+        </p:spPr>
+        <p:txBody>
+          <a:bodyPr lIns="0" tIns="0" rIns="0" bIns="0" rtlCol="0" anchor="ctr"/>
+          <a:lstStyle/>
+          <a:p>
+            <a:pPr marL="0" marR="0" lvl="0" indent="0" algn="ctr" defTabSz="914400" eaLnBrk="1" fontAlgn="auto" latinLnBrk="0" hangingPunct="1">
+              <a:lnSpc>
+                <a:spcPct val="100000"/>
+              </a:lnSpc>
+              <a:spcBef>
+                <a:spcPts val="0"/>
+              </a:spcBef>
+              <a:spcAft>
+                <a:spcPts val="0"/>
+              </a:spcAft>
+              <a:buClrTx/>
+              <a:buSzTx/>
+              <a:buFontTx/>
+              <a:buNone/>
+              <a:tabLst/>
+              <a:defRPr/>
+            </a:pPr>
+            <a:endParaRPr kumimoji="0" lang="en-US" sz="2000" b="0" i="0" u="none" strike="noStrike" kern="0" cap="none" spc="0" normalizeH="0" baseline="0" noProof="0" dirty="0">
+              <a:ln>
+                <a:noFill/>
+              </a:ln>
+              <a:solidFill>
+                <a:prstClr val="white"/>
+              </a:solidFill>
+              <a:effectLst/>
+              <a:uLnTx/>
+              <a:uFillTx/>
+              <a:latin typeface="Rockwell Extra Bold" pitchFamily="18" charset="0"/>
+              <a:ea typeface="+mn-ea"/>
+              <a:cs typeface="+mn-cs"/>
+            </a:endParaRPr>
+          </a:p>
+        </p:txBody>
+      </p:sp>
+      <p:sp>
+        <p:nvSpPr>
+          <p:cNvPr id="19" name="Oval 18">
+            <a:extLst>
+              <a:ext uri="{FF2B5EF4-FFF2-40B4-BE49-F238E27FC236}">
+                <a16:creationId xmlns:a16="http://schemas.microsoft.com/office/drawing/2014/main" id="{04E48745-7512-4EC2-9E20-9092D12150CA}"/>
+              </a:ext>
+              <a:ext uri="{C183D7F6-B498-43B3-948B-1728B52AA6E4}">
+                <adec:decorative xmlns:adec="http://schemas.microsoft.com/office/drawing/2017/decorative" val="1"/>
+              </a:ext>
+            </a:extLst>
+          </p:cNvPr>
+          <p:cNvSpPr>
+            <a:spLocks noGrp="1" noRot="1" noChangeAspect="1" noMove="1" noResize="1" noEditPoints="1" noAdjustHandles="1" noChangeArrowheads="1" noChangeShapeType="1" noTextEdit="1"/>
+          </p:cNvSpPr>
+          <p:nvPr>
+            <p:extLst>
+              <p:ext uri="{386F3935-93C4-4BCD-93E2-E3B085C9AB24}">
+                <p16:designElem xmlns:p16="http://schemas.microsoft.com/office/powerpoint/2015/main" val="1"/>
+              </p:ext>
+            </p:extLst>
+          </p:nvPr>
+        </p:nvSpPr>
+        <p:spPr>
+          <a:xfrm>
+            <a:off x="11430918" y="6258874"/>
+            <a:ext cx="398813" cy="398815"/>
+          </a:xfrm>
+          <a:prstGeom prst="ellipse">
+            <a:avLst/>
+          </a:prstGeom>
+          <a:noFill/>
+          <a:ln w="12700" cap="flat" cmpd="sng" algn="ctr">
+            <a:solidFill>
+              <a:srgbClr val="FFFFFF"/>
+            </a:solidFill>
+            <a:prstDash val="solid"/>
+          </a:ln>
+          <a:effectLst/>
+        </p:spPr>
+        <p:txBody>
+          <a:bodyPr rtlCol="0" anchor="ctr"/>
+          <a:lstStyle/>
+          <a:p>
+            <a:pPr marL="0" marR="0" lvl="0" indent="0" algn="ctr" defTabSz="914400" eaLnBrk="1" fontAlgn="auto" latinLnBrk="0" hangingPunct="1">
+              <a:lnSpc>
+                <a:spcPct val="100000"/>
+              </a:lnSpc>
+              <a:spcBef>
+                <a:spcPts val="0"/>
+              </a:spcBef>
+              <a:spcAft>
+                <a:spcPts val="0"/>
+              </a:spcAft>
+              <a:buClrTx/>
+              <a:buSzTx/>
+              <a:buFontTx/>
+              <a:buNone/>
+              <a:tabLst/>
+              <a:defRPr/>
+            </a:pPr>
+            <a:endParaRPr kumimoji="0" lang="en-US" sz="1800" b="0" i="0" u="none" strike="noStrike" kern="0" cap="none" spc="0" normalizeH="0" baseline="0" noProof="0" dirty="0">
+              <a:ln>
+                <a:noFill/>
+              </a:ln>
+              <a:solidFill>
+                <a:prstClr val="white"/>
+              </a:solidFill>
+              <a:effectLst/>
+              <a:uLnTx/>
+              <a:uFillTx/>
+              <a:latin typeface="Calibri"/>
+              <a:ea typeface="+mn-ea"/>
+              <a:cs typeface="+mn-cs"/>
+            </a:endParaRPr>
           </a:p>
         </p:txBody>
       </p:sp>
@@ -7994,10 +8493,10 @@
   </p:clrMapOvr>
   <mc:AlternateContent xmlns:mc="http://schemas.openxmlformats.org/markup-compatibility/2006">
     <mc:Choice xmlns:p14="http://schemas.microsoft.com/office/powerpoint/2010/main" Requires="p14">
-      <p:transition spd="slow" p14:dur="2000" advTm="3838"/>
+      <p:transition spd="slow" p14:dur="2000" advTm="8147"/>
     </mc:Choice>
     <mc:Fallback>
-      <p:transition spd="slow" advTm="3838"/>
+      <p:transition spd="slow" advTm="8147"/>
     </mc:Fallback>
   </mc:AlternateContent>
 </p:sld>
@@ -8239,6 +8738,21 @@
 </file>
 
 <file path=customXml/item1.xml><?xml version="1.0" encoding="utf-8"?>
+<p:properties xmlns:p="http://schemas.microsoft.com/office/2006/metadata/properties" xmlns:xsi="http://www.w3.org/2001/XMLSchema-instance" xmlns:pc="http://schemas.microsoft.com/office/infopath/2007/PartnerControls">
+  <documentManagement/>
+</p:properties>
+</file>
+
+<file path=customXml/item2.xml><?xml version="1.0" encoding="utf-8"?>
+<?mso-contentType ?>
+<FormTemplates xmlns="http://schemas.microsoft.com/sharepoint/v3/contenttype/forms">
+  <Display>DocumentLibraryForm</Display>
+  <Edit>DocumentLibraryForm</Edit>
+  <New>DocumentLibraryForm</New>
+</FormTemplates>
+</file>
+
+<file path=customXml/item3.xml><?xml version="1.0" encoding="utf-8"?>
 <ct:contentTypeSchema xmlns:ct="http://schemas.microsoft.com/office/2006/metadata/contentType" xmlns:ma="http://schemas.microsoft.com/office/2006/metadata/properties/metaAttributes" ct:_="" ma:_="" ma:contentTypeName="Document" ma:contentTypeID="0x010100F960DBD50EF6EB4FA69D7F2D00FCFC25" ma:contentTypeVersion="13" ma:contentTypeDescription="Create a new document." ma:contentTypeScope="" ma:versionID="66e6ed5493acdea33066203523bfffa8">
   <xsd:schema xmlns:xsd="http://www.w3.org/2001/XMLSchema" xmlns:xs="http://www.w3.org/2001/XMLSchema" xmlns:p="http://schemas.microsoft.com/office/2006/metadata/properties" xmlns:ns3="5943c3ba-9851-4522-bd8d-219f9558929f" xmlns:ns4="fe11bc9c-ebaf-4a48-b22b-188dc286737b" targetNamespace="http://schemas.microsoft.com/office/2006/metadata/properties" ma:root="true" ma:fieldsID="fb41b296f2a8c4d7eba1f68698b97d42" ns3:_="" ns4:_="">
     <xsd:import namespace="5943c3ba-9851-4522-bd8d-219f9558929f"/>
@@ -8461,22 +8975,32 @@
 </ct:contentTypeSchema>
 </file>
 
-<file path=customXml/item2.xml><?xml version="1.0" encoding="utf-8"?>
-<?mso-contentType ?>
-<FormTemplates xmlns="http://schemas.microsoft.com/sharepoint/v3/contenttype/forms">
-  <Display>DocumentLibraryForm</Display>
-  <Edit>DocumentLibraryForm</Edit>
-  <New>DocumentLibraryForm</New>
-</FormTemplates>
+<file path=customXml/itemProps1.xml><?xml version="1.0" encoding="utf-8"?>
+<ds:datastoreItem xmlns:ds="http://schemas.openxmlformats.org/officeDocument/2006/customXml" ds:itemID="{B35D79EA-CC4F-4A51-8308-0949B92CC092}">
+  <ds:schemaRefs>
+    <ds:schemaRef ds:uri="http://schemas.microsoft.com/office/2006/documentManagement/types"/>
+    <ds:schemaRef ds:uri="http://purl.org/dc/dcmitype/"/>
+    <ds:schemaRef ds:uri="http://purl.org/dc/elements/1.1/"/>
+    <ds:schemaRef ds:uri="http://schemas.microsoft.com/office/infopath/2007/PartnerControls"/>
+    <ds:schemaRef ds:uri="5943c3ba-9851-4522-bd8d-219f9558929f"/>
+    <ds:schemaRef ds:uri="http://purl.org/dc/terms/"/>
+    <ds:schemaRef ds:uri="http://www.w3.org/XML/1998/namespace"/>
+    <ds:schemaRef ds:uri="http://schemas.openxmlformats.org/package/2006/metadata/core-properties"/>
+    <ds:schemaRef ds:uri="fe11bc9c-ebaf-4a48-b22b-188dc286737b"/>
+    <ds:schemaRef ds:uri="http://schemas.microsoft.com/office/2006/metadata/properties"/>
+  </ds:schemaRefs>
+</ds:datastoreItem>
 </file>
 
-<file path=customXml/item3.xml><?xml version="1.0" encoding="utf-8"?>
-<p:properties xmlns:p="http://schemas.microsoft.com/office/2006/metadata/properties" xmlns:xsi="http://www.w3.org/2001/XMLSchema-instance" xmlns:pc="http://schemas.microsoft.com/office/infopath/2007/PartnerControls">
-  <documentManagement/>
-</p:properties>
+<file path=customXml/itemProps2.xml><?xml version="1.0" encoding="utf-8"?>
+<ds:datastoreItem xmlns:ds="http://schemas.openxmlformats.org/officeDocument/2006/customXml" ds:itemID="{B1F1F8F2-739D-43DA-A944-AD58EA709EBF}">
+  <ds:schemaRefs>
+    <ds:schemaRef ds:uri="http://schemas.microsoft.com/sharepoint/v3/contenttype/forms"/>
+  </ds:schemaRefs>
+</ds:datastoreItem>
 </file>
 
-<file path=customXml/itemProps1.xml><?xml version="1.0" encoding="utf-8"?>
+<file path=customXml/itemProps3.xml><?xml version="1.0" encoding="utf-8"?>
 <ds:datastoreItem xmlns:ds="http://schemas.openxmlformats.org/officeDocument/2006/customXml" ds:itemID="{05365925-A726-40EB-90FA-5205218F7B69}">
   <ds:schemaRefs>
     <ds:schemaRef ds:uri="http://schemas.microsoft.com/office/2006/metadata/contentType"/>
@@ -8493,29 +9017,4 @@
     <ds:schemaRef ds:uri="http://schemas.microsoft.com/internal/obd"/>
   </ds:schemaRefs>
 </ds:datastoreItem>
-</file>
-
-<file path=customXml/itemProps2.xml><?xml version="1.0" encoding="utf-8"?>
-<ds:datastoreItem xmlns:ds="http://schemas.openxmlformats.org/officeDocument/2006/customXml" ds:itemID="{B1F1F8F2-739D-43DA-A944-AD58EA709EBF}">
-  <ds:schemaRefs>
-    <ds:schemaRef ds:uri="http://schemas.microsoft.com/sharepoint/v3/contenttype/forms"/>
-  </ds:schemaRefs>
-</ds:datastoreItem>
-</file>
-
-<file path=customXml/itemProps3.xml><?xml version="1.0" encoding="utf-8"?>
-<ds:datastoreItem xmlns:ds="http://schemas.openxmlformats.org/officeDocument/2006/customXml" ds:itemID="{B35D79EA-CC4F-4A51-8308-0949B92CC092}">
-  <ds:schemaRefs>
-    <ds:schemaRef ds:uri="http://schemas.microsoft.com/office/2006/documentManagement/types"/>
-    <ds:schemaRef ds:uri="http://purl.org/dc/dcmitype/"/>
-    <ds:schemaRef ds:uri="http://purl.org/dc/elements/1.1/"/>
-    <ds:schemaRef ds:uri="http://schemas.microsoft.com/office/infopath/2007/PartnerControls"/>
-    <ds:schemaRef ds:uri="5943c3ba-9851-4522-bd8d-219f9558929f"/>
-    <ds:schemaRef ds:uri="http://purl.org/dc/terms/"/>
-    <ds:schemaRef ds:uri="http://www.w3.org/XML/1998/namespace"/>
-    <ds:schemaRef ds:uri="http://schemas.openxmlformats.org/package/2006/metadata/core-properties"/>
-    <ds:schemaRef ds:uri="fe11bc9c-ebaf-4a48-b22b-188dc286737b"/>
-    <ds:schemaRef ds:uri="http://schemas.microsoft.com/office/2006/metadata/properties"/>
-  </ds:schemaRefs>
-</ds:datastoreItem>
 </file>